--- a/IDEA_Star.pptx
+++ b/IDEA_Star.pptx
@@ -110,6 +110,11 @@
       </a:defRPr>
     </a:lvl9pPr>
   </p:defaultTextStyle>
+  <p:extLst>
+    <p:ext uri="{EFAFB233-063F-42B5-8137-9DF3F51BA10A}">
+      <p15:sldGuideLst xmlns:p15="http://schemas.microsoft.com/office/powerpoint/2012/main"/>
+    </p:ext>
+  </p:extLst>
 </p:presentation>
 </file>
 
@@ -195,7 +200,7 @@
           <a:p>
             <a:fld id="{42C16574-07B8-4F46-9604-8D73C26BF703}" type="datetimeFigureOut">
               <a:rPr lang="en-US" smtClean="0"/>
-              <a:t>2/7/2020</a:t>
+              <a:t>2/11/2020</a:t>
             </a:fld>
             <a:endParaRPr lang="en-US"/>
           </a:p>
@@ -1627,7 +1632,7 @@
           <a:p>
             <a:fld id="{33A21FD2-81B6-41AD-80CF-83CA4234A76A}" type="datetimeFigureOut">
               <a:rPr lang="en-US" smtClean="0"/>
-              <a:t>2/7/2020</a:t>
+              <a:t>2/11/2020</a:t>
             </a:fld>
             <a:endParaRPr lang="en-US"/>
           </a:p>
@@ -1797,7 +1802,7 @@
           <a:p>
             <a:fld id="{33A21FD2-81B6-41AD-80CF-83CA4234A76A}" type="datetimeFigureOut">
               <a:rPr lang="en-US" smtClean="0"/>
-              <a:t>2/7/2020</a:t>
+              <a:t>2/11/2020</a:t>
             </a:fld>
             <a:endParaRPr lang="en-US"/>
           </a:p>
@@ -1977,7 +1982,7 @@
           <a:p>
             <a:fld id="{33A21FD2-81B6-41AD-80CF-83CA4234A76A}" type="datetimeFigureOut">
               <a:rPr lang="en-US" smtClean="0"/>
-              <a:t>2/7/2020</a:t>
+              <a:t>2/11/2020</a:t>
             </a:fld>
             <a:endParaRPr lang="en-US"/>
           </a:p>
@@ -2147,7 +2152,7 @@
           <a:p>
             <a:fld id="{33A21FD2-81B6-41AD-80CF-83CA4234A76A}" type="datetimeFigureOut">
               <a:rPr lang="en-US" smtClean="0"/>
-              <a:t>2/7/2020</a:t>
+              <a:t>2/11/2020</a:t>
             </a:fld>
             <a:endParaRPr lang="en-US"/>
           </a:p>
@@ -2391,7 +2396,7 @@
           <a:p>
             <a:fld id="{33A21FD2-81B6-41AD-80CF-83CA4234A76A}" type="datetimeFigureOut">
               <a:rPr lang="en-US" smtClean="0"/>
-              <a:t>2/7/2020</a:t>
+              <a:t>2/11/2020</a:t>
             </a:fld>
             <a:endParaRPr lang="en-US"/>
           </a:p>
@@ -2623,7 +2628,7 @@
           <a:p>
             <a:fld id="{33A21FD2-81B6-41AD-80CF-83CA4234A76A}" type="datetimeFigureOut">
               <a:rPr lang="en-US" smtClean="0"/>
-              <a:t>2/7/2020</a:t>
+              <a:t>2/11/2020</a:t>
             </a:fld>
             <a:endParaRPr lang="en-US"/>
           </a:p>
@@ -2990,7 +2995,7 @@
           <a:p>
             <a:fld id="{33A21FD2-81B6-41AD-80CF-83CA4234A76A}" type="datetimeFigureOut">
               <a:rPr lang="en-US" smtClean="0"/>
-              <a:t>2/7/2020</a:t>
+              <a:t>2/11/2020</a:t>
             </a:fld>
             <a:endParaRPr lang="en-US"/>
           </a:p>
@@ -3108,7 +3113,7 @@
           <a:p>
             <a:fld id="{33A21FD2-81B6-41AD-80CF-83CA4234A76A}" type="datetimeFigureOut">
               <a:rPr lang="en-US" smtClean="0"/>
-              <a:t>2/7/2020</a:t>
+              <a:t>2/11/2020</a:t>
             </a:fld>
             <a:endParaRPr lang="en-US"/>
           </a:p>
@@ -3203,7 +3208,7 @@
           <a:p>
             <a:fld id="{33A21FD2-81B6-41AD-80CF-83CA4234A76A}" type="datetimeFigureOut">
               <a:rPr lang="en-US" smtClean="0"/>
-              <a:t>2/7/2020</a:t>
+              <a:t>2/11/2020</a:t>
             </a:fld>
             <a:endParaRPr lang="en-US"/>
           </a:p>
@@ -3480,7 +3485,7 @@
           <a:p>
             <a:fld id="{33A21FD2-81B6-41AD-80CF-83CA4234A76A}" type="datetimeFigureOut">
               <a:rPr lang="en-US" smtClean="0"/>
-              <a:t>2/7/2020</a:t>
+              <a:t>2/11/2020</a:t>
             </a:fld>
             <a:endParaRPr lang="en-US"/>
           </a:p>
@@ -3737,7 +3742,7 @@
           <a:p>
             <a:fld id="{33A21FD2-81B6-41AD-80CF-83CA4234A76A}" type="datetimeFigureOut">
               <a:rPr lang="en-US" smtClean="0"/>
-              <a:t>2/7/2020</a:t>
+              <a:t>2/11/2020</a:t>
             </a:fld>
             <a:endParaRPr lang="en-US"/>
           </a:p>
@@ -3950,7 +3955,7 @@
           <a:p>
             <a:fld id="{33A21FD2-81B6-41AD-80CF-83CA4234A76A}" type="datetimeFigureOut">
               <a:rPr lang="en-US" smtClean="0"/>
-              <a:t>2/7/2020</a:t>
+              <a:t>2/11/2020</a:t>
             </a:fld>
             <a:endParaRPr lang="en-US"/>
           </a:p>
@@ -9059,6 +9064,52 @@
           </a:p>
         </p:txBody>
       </p:sp>
+      <p:sp>
+        <p:nvSpPr>
+          <p:cNvPr id="2" name="Oval 1">
+            <a:extLst>
+              <a:ext uri="{FF2B5EF4-FFF2-40B4-BE49-F238E27FC236}">
+                <a16:creationId xmlns:a16="http://schemas.microsoft.com/office/drawing/2014/main" id="{9EDF26EA-ECB5-40F1-8CB1-F1632832F3B6}"/>
+              </a:ext>
+            </a:extLst>
+          </p:cNvPr>
+          <p:cNvSpPr/>
+          <p:nvPr/>
+        </p:nvSpPr>
+        <p:spPr>
+          <a:xfrm>
+            <a:off x="4140200" y="3562350"/>
+            <a:ext cx="336550" cy="203200"/>
+          </a:xfrm>
+          <a:prstGeom prst="ellipse">
+            <a:avLst/>
+          </a:prstGeom>
+        </p:spPr>
+        <p:style>
+          <a:lnRef idx="2">
+            <a:schemeClr val="accent1">
+              <a:shade val="50000"/>
+            </a:schemeClr>
+          </a:lnRef>
+          <a:fillRef idx="1">
+            <a:schemeClr val="accent1"/>
+          </a:fillRef>
+          <a:effectRef idx="0">
+            <a:schemeClr val="accent1"/>
+          </a:effectRef>
+          <a:fontRef idx="minor">
+            <a:schemeClr val="lt1"/>
+          </a:fontRef>
+        </p:style>
+        <p:txBody>
+          <a:bodyPr rtlCol="0" anchor="ctr"/>
+          <a:lstStyle/>
+          <a:p>
+            <a:pPr algn="ctr"/>
+            <a:endParaRPr lang="en-US"/>
+          </a:p>
+        </p:txBody>
+      </p:sp>
     </p:spTree>
     <p:extLst>
       <p:ext uri="{BB962C8B-B14F-4D97-AF65-F5344CB8AC3E}">
